--- a/Task 1 Presentation.pptx
+++ b/Task 1 Presentation.pptx
@@ -8,6 +8,7 @@
     <p:sldId id="256" r:id="rId2"/>
     <p:sldId id="257" r:id="rId3"/>
     <p:sldId id="258" r:id="rId4"/>
+    <p:sldId id="259" r:id="rId5"/>
   </p:sldIdLst>
   <p:sldSz cx="12192000" cy="6858000"/>
   <p:notesSz cx="6858000" cy="9144000"/>
@@ -106,6 +107,11 @@
       </a:defRPr>
     </a:lvl9pPr>
   </p:defaultTextStyle>
+  <p:extLst>
+    <p:ext uri="{EFAFB233-063F-42B5-8137-9DF3F51BA10A}">
+      <p15:sldGuideLst xmlns:p15="http://schemas.microsoft.com/office/powerpoint/2012/main"/>
+    </p:ext>
+  </p:extLst>
 </p:presentation>
 </file>
 
@@ -3387,27 +3393,32 @@
             <p:ph type="subTitle" idx="1"/>
           </p:nvPr>
         </p:nvSpPr>
-        <p:spPr/>
+        <p:spPr>
+          <a:xfrm>
+            <a:off x="1524000" y="4333876"/>
+            <a:ext cx="9144000" cy="1655762"/>
+          </a:xfrm>
+        </p:spPr>
         <p:txBody>
           <a:bodyPr>
-            <a:normAutofit lnSpcReduction="10000"/>
+            <a:normAutofit fontScale="92500" lnSpcReduction="20000"/>
           </a:bodyPr>
           <a:lstStyle/>
           <a:p>
             <a:pPr algn="l"/>
             <a:r>
-              <a:rPr lang="en-US" dirty="0">
+              <a:rPr lang="en-US" sz="3500" dirty="0">
                 <a:latin typeface="Georgia" panose="02040502050405020303" pitchFamily="18" charset="0"/>
               </a:rPr>
               <a:t>Ayooluwa </a:t>
             </a:r>
             <a:r>
-              <a:rPr lang="en-US" dirty="0" err="1">
+              <a:rPr lang="en-US" sz="3500" dirty="0" err="1">
                 <a:latin typeface="Georgia" panose="02040502050405020303" pitchFamily="18" charset="0"/>
               </a:rPr>
               <a:t>Adedipe</a:t>
             </a:r>
-            <a:endParaRPr lang="en-US" dirty="0">
+            <a:endParaRPr lang="en-US" sz="3500" dirty="0">
               <a:latin typeface="Georgia" panose="02040502050405020303" pitchFamily="18" charset="0"/>
             </a:endParaRPr>
           </a:p>
@@ -3418,7 +3429,10 @@
             </a:endParaRPr>
           </a:p>
           <a:p>
-            <a:pPr algn="l"/>
+            <a:pPr marL="342900" indent="-342900" algn="l">
+              <a:buFont typeface="Arial" panose="020B0604020202020204" pitchFamily="34" charset="0"/>
+              <a:buChar char="•"/>
+            </a:pPr>
             <a:r>
               <a:rPr lang="en-US" dirty="0">
                 <a:latin typeface="Georgia" panose="02040502050405020303" pitchFamily="18" charset="0"/>
@@ -3427,7 +3441,10 @@
             </a:r>
           </a:p>
           <a:p>
-            <a:pPr algn="l"/>
+            <a:pPr marL="342900" indent="-342900" algn="l">
+              <a:buFont typeface="Arial" panose="020B0604020202020204" pitchFamily="34" charset="0"/>
+              <a:buChar char="•"/>
+            </a:pPr>
             <a:r>
               <a:rPr lang="en-US" dirty="0" err="1">
                 <a:latin typeface="Georgia" panose="02040502050405020303" pitchFamily="18" charset="0"/>
@@ -3438,8 +3455,18 @@
               <a:rPr lang="en-US" dirty="0">
                 <a:latin typeface="Georgia" panose="02040502050405020303" pitchFamily="18" charset="0"/>
               </a:rPr>
-              <a:t> notebook available at: </a:t>
-            </a:r>
+              <a:t> notebook containing full visualizations is available at this </a:t>
+            </a:r>
+            <a:r>
+              <a:rPr lang="en-US" dirty="0">
+                <a:latin typeface="Georgia" panose="02040502050405020303" pitchFamily="18" charset="0"/>
+                <a:hlinkClick r:id="rId2"/>
+              </a:rPr>
+              <a:t>link</a:t>
+            </a:r>
+            <a:endParaRPr lang="en-US" dirty="0">
+              <a:latin typeface="Georgia" panose="02040502050405020303" pitchFamily="18" charset="0"/>
+            </a:endParaRPr>
           </a:p>
         </p:txBody>
       </p:sp>
@@ -3537,14 +3564,6 @@
               <a:t>The other two columns with missing data have about 90% data missing, these columns should be dropped</a:t>
             </a:r>
           </a:p>
-          <a:p>
-            <a:r>
-              <a:rPr lang="en-US" dirty="0">
-                <a:latin typeface="Georgia" panose="02040502050405020303" pitchFamily="18" charset="0"/>
-              </a:rPr>
-              <a:t>The transaction amounts are positively skewed with a mean transaction amount of AUD14,704 and outlier values greater than AUD250,000 </a:t>
-            </a:r>
-          </a:p>
         </p:txBody>
       </p:sp>
     </p:spTree>
@@ -3761,6 +3780,196 @@
     <p:extLst>
       <p:ext uri="{BB962C8B-B14F-4D97-AF65-F5344CB8AC3E}">
         <p14:creationId xmlns:p14="http://schemas.microsoft.com/office/powerpoint/2010/main" val="2765257965"/>
+      </p:ext>
+    </p:extLst>
+  </p:cSld>
+  <p:clrMapOvr>
+    <a:masterClrMapping/>
+  </p:clrMapOvr>
+</p:sld>
+</file>
+
+<file path=ppt/slides/slide4.xml><?xml version="1.0" encoding="utf-8"?>
+<p:sld xmlns:a="http://schemas.openxmlformats.org/drawingml/2006/main" xmlns:r="http://schemas.openxmlformats.org/officeDocument/2006/relationships" xmlns:p="http://schemas.openxmlformats.org/presentationml/2006/main">
+  <p:cSld>
+    <p:spTree>
+      <p:nvGrpSpPr>
+        <p:cNvPr id="1" name=""/>
+        <p:cNvGrpSpPr/>
+        <p:nvPr/>
+      </p:nvGrpSpPr>
+      <p:grpSpPr>
+        <a:xfrm>
+          <a:off x="0" y="0"/>
+          <a:ext cx="0" cy="0"/>
+          <a:chOff x="0" y="0"/>
+          <a:chExt cx="0" cy="0"/>
+        </a:xfrm>
+      </p:grpSpPr>
+      <p:sp>
+        <p:nvSpPr>
+          <p:cNvPr id="2" name="Title 1">
+            <a:extLst>
+              <a:ext uri="{FF2B5EF4-FFF2-40B4-BE49-F238E27FC236}">
+                <a16:creationId xmlns:a16="http://schemas.microsoft.com/office/drawing/2014/main" id="{7E62BB58-F716-41AD-A249-786DC8810938}"/>
+              </a:ext>
+            </a:extLst>
+          </p:cNvPr>
+          <p:cNvSpPr>
+            <a:spLocks noGrp="1"/>
+          </p:cNvSpPr>
+          <p:nvPr>
+            <p:ph type="title"/>
+          </p:nvPr>
+        </p:nvSpPr>
+        <p:spPr/>
+        <p:txBody>
+          <a:bodyPr/>
+          <a:lstStyle/>
+          <a:p>
+            <a:r>
+              <a:rPr lang="en-US" dirty="0"/>
+              <a:t>Geographical distribution</a:t>
+            </a:r>
+          </a:p>
+        </p:txBody>
+      </p:sp>
+      <p:sp>
+        <p:nvSpPr>
+          <p:cNvPr id="3" name="Content Placeholder 2">
+            <a:extLst>
+              <a:ext uri="{FF2B5EF4-FFF2-40B4-BE49-F238E27FC236}">
+                <a16:creationId xmlns:a16="http://schemas.microsoft.com/office/drawing/2014/main" id="{7FB2AA4F-EA20-4512-9A16-4297E143DE21}"/>
+              </a:ext>
+            </a:extLst>
+          </p:cNvPr>
+          <p:cNvSpPr>
+            <a:spLocks noGrp="1"/>
+          </p:cNvSpPr>
+          <p:nvPr>
+            <p:ph idx="1"/>
+          </p:nvPr>
+        </p:nvSpPr>
+        <p:spPr>
+          <a:xfrm>
+            <a:off x="838200" y="1825625"/>
+            <a:ext cx="5806440" cy="4351338"/>
+          </a:xfrm>
+        </p:spPr>
+        <p:txBody>
+          <a:bodyPr/>
+          <a:lstStyle/>
+          <a:p>
+            <a:r>
+              <a:rPr lang="en-US" dirty="0"/>
+              <a:t>Most transactions occurred close to each other except an outlier that occurred far from the others as shown in the visualization to the right</a:t>
+            </a:r>
+          </a:p>
+        </p:txBody>
+      </p:sp>
+      <p:pic>
+        <p:nvPicPr>
+          <p:cNvPr id="1028" name="Picture 4">
+            <a:extLst>
+              <a:ext uri="{FF2B5EF4-FFF2-40B4-BE49-F238E27FC236}">
+                <a16:creationId xmlns:a16="http://schemas.microsoft.com/office/drawing/2014/main" id="{AA3FC7D3-85D5-45BD-A6B7-F8743B74CF1D}"/>
+              </a:ext>
+            </a:extLst>
+          </p:cNvPr>
+          <p:cNvPicPr>
+            <a:picLocks noChangeAspect="1" noChangeArrowheads="1"/>
+          </p:cNvPicPr>
+          <p:nvPr/>
+        </p:nvPicPr>
+        <p:blipFill>
+          <a:blip r:embed="rId2">
+            <a:extLst>
+              <a:ext uri="{28A0092B-C50C-407E-A947-70E740481C1C}">
+                <a14:useLocalDpi xmlns:a14="http://schemas.microsoft.com/office/drawing/2010/main" val="0"/>
+              </a:ext>
+            </a:extLst>
+          </a:blip>
+          <a:srcRect/>
+          <a:stretch>
+            <a:fillRect/>
+          </a:stretch>
+        </p:blipFill>
+        <p:spPr bwMode="auto">
+          <a:xfrm>
+            <a:off x="6385558" y="1290287"/>
+            <a:ext cx="5806441" cy="5516119"/>
+          </a:xfrm>
+          <a:prstGeom prst="rect">
+            <a:avLst/>
+          </a:prstGeom>
+          <a:noFill/>
+          <a:extLst>
+            <a:ext uri="{909E8E84-426E-40DD-AFC4-6F175D3DCCD1}">
+              <a14:hiddenFill xmlns:a14="http://schemas.microsoft.com/office/drawing/2010/main">
+                <a:solidFill>
+                  <a:srgbClr val="FFFFFF"/>
+                </a:solidFill>
+              </a14:hiddenFill>
+            </a:ext>
+          </a:extLst>
+        </p:spPr>
+      </p:pic>
+      <p:sp>
+        <p:nvSpPr>
+          <p:cNvPr id="4" name="Oval 3">
+            <a:extLst>
+              <a:ext uri="{FF2B5EF4-FFF2-40B4-BE49-F238E27FC236}">
+                <a16:creationId xmlns:a16="http://schemas.microsoft.com/office/drawing/2014/main" id="{6F7740AA-5BCE-48C2-863E-791119AED89A}"/>
+              </a:ext>
+            </a:extLst>
+          </p:cNvPr>
+          <p:cNvSpPr/>
+          <p:nvPr/>
+        </p:nvSpPr>
+        <p:spPr>
+          <a:xfrm>
+            <a:off x="11612880" y="1417320"/>
+            <a:ext cx="396240" cy="273368"/>
+          </a:xfrm>
+          <a:prstGeom prst="ellipse">
+            <a:avLst/>
+          </a:prstGeom>
+          <a:noFill/>
+          <a:ln>
+            <a:solidFill>
+              <a:srgbClr val="FF0000"/>
+            </a:solidFill>
+          </a:ln>
+        </p:spPr>
+        <p:style>
+          <a:lnRef idx="2">
+            <a:schemeClr val="accent1">
+              <a:shade val="50000"/>
+            </a:schemeClr>
+          </a:lnRef>
+          <a:fillRef idx="1">
+            <a:schemeClr val="accent1"/>
+          </a:fillRef>
+          <a:effectRef idx="0">
+            <a:schemeClr val="accent1"/>
+          </a:effectRef>
+          <a:fontRef idx="minor">
+            <a:schemeClr val="lt1"/>
+          </a:fontRef>
+        </p:style>
+        <p:txBody>
+          <a:bodyPr rtlCol="0" anchor="ctr"/>
+          <a:lstStyle/>
+          <a:p>
+            <a:pPr algn="ctr"/>
+            <a:endParaRPr lang="en-US"/>
+          </a:p>
+        </p:txBody>
+      </p:sp>
+    </p:spTree>
+    <p:extLst>
+      <p:ext uri="{BB962C8B-B14F-4D97-AF65-F5344CB8AC3E}">
+        <p14:creationId xmlns:p14="http://schemas.microsoft.com/office/powerpoint/2010/main" val="3968094759"/>
       </p:ext>
     </p:extLst>
   </p:cSld>
